--- a/Propuesta_solucion_automatizacion.pptx
+++ b/Propuesta_solucion_automatizacion.pptx
@@ -4398,7 +4398,9 @@
         </p:nvSpPr>
         <p:spPr/>
         <p:txBody>
-          <a:bodyPr/>
+          <a:bodyPr>
+            <a:normAutofit lnSpcReduction="10000"/>
+          </a:bodyPr>
           <a:lstStyle/>
           <a:p>
             <a:pPr marL="457200" lvl="1" indent="0" algn="just">
@@ -4417,6 +4419,24 @@
             <a:r>
               <a:rPr lang="es-CL" dirty="0"/>
               <a:t>, se realiza una Base de datos creada en SQL Server. Posteriormente se implementa una página web realizada en el Framework ASP.NET la cual ayuda a: visualizar los datos obtenidos por los sensores, dar prioridad a las ordenes a realizar en el día, identificar problemas que suceden en el proceso de producción y visualizar problemas según la orden.</a:t>
+            </a:r>
+          </a:p>
+          <a:p>
+            <a:pPr marL="457200" lvl="1" indent="0" algn="just">
+              <a:buNone/>
+            </a:pPr>
+            <a:r>
+              <a:rPr lang="es-CL" dirty="0"/>
+              <a:t>Por otra parte se tiene la base de datos del SAP para obtener los datos de los pedidos.</a:t>
+            </a:r>
+          </a:p>
+          <a:p>
+            <a:pPr marL="457200" lvl="1" indent="0" algn="just">
+              <a:buNone/>
+            </a:pPr>
+            <a:r>
+              <a:rPr lang="es-CL" dirty="0"/>
+              <a:t>Cabe destacar que tanto la página web como la base de datos en la que se registran los datos de los sensores y la base de datos del SAP se encuentra en un servidor local.</a:t>
             </a:r>
           </a:p>
           <a:p>

--- a/Propuesta_solucion_automatizacion.pptx
+++ b/Propuesta_solucion_automatizacion.pptx
@@ -4917,10 +4917,10 @@
       </p:sp>
       <p:pic>
         <p:nvPicPr>
-          <p:cNvPr id="4" name="Imagen 3">
-            <a:extLst>
-              <a:ext uri="{FF2B5EF4-FFF2-40B4-BE49-F238E27FC236}">
-                <a16:creationId xmlns:a16="http://schemas.microsoft.com/office/drawing/2014/main" id="{6B584A58-15CD-4728-8852-D8AA9A99462C}"/>
+          <p:cNvPr id="8" name="Imagen 7">
+            <a:extLst>
+              <a:ext uri="{FF2B5EF4-FFF2-40B4-BE49-F238E27FC236}">
+                <a16:creationId xmlns:a16="http://schemas.microsoft.com/office/drawing/2014/main" id="{DAAAD250-1D17-4547-B844-1261FA724F49}"/>
               </a:ext>
             </a:extLst>
           </p:cNvPr>
@@ -4937,8 +4937,8 @@
         </p:blipFill>
         <p:spPr>
           <a:xfrm>
-            <a:off x="392699" y="1465048"/>
-            <a:ext cx="5591175" cy="4808944"/>
+            <a:off x="6096000" y="1431120"/>
+            <a:ext cx="5638800" cy="4876800"/>
           </a:xfrm>
           <a:prstGeom prst="rect">
             <a:avLst/>
@@ -4947,10 +4947,10 @@
       </p:pic>
       <p:pic>
         <p:nvPicPr>
-          <p:cNvPr id="8" name="Imagen 7">
-            <a:extLst>
-              <a:ext uri="{FF2B5EF4-FFF2-40B4-BE49-F238E27FC236}">
-                <a16:creationId xmlns:a16="http://schemas.microsoft.com/office/drawing/2014/main" id="{DAAAD250-1D17-4547-B844-1261FA724F49}"/>
+          <p:cNvPr id="3" name="Imagen 2">
+            <a:extLst>
+              <a:ext uri="{FF2B5EF4-FFF2-40B4-BE49-F238E27FC236}">
+                <a16:creationId xmlns:a16="http://schemas.microsoft.com/office/drawing/2014/main" id="{3248DC1E-8538-40D0-B9D3-92C0D5BCCE32}"/>
               </a:ext>
             </a:extLst>
           </p:cNvPr>
@@ -4967,8 +4967,8 @@
         </p:blipFill>
         <p:spPr>
           <a:xfrm>
-            <a:off x="6096000" y="1431120"/>
-            <a:ext cx="5638800" cy="4876800"/>
+            <a:off x="457200" y="1431120"/>
+            <a:ext cx="5586906" cy="4801004"/>
           </a:xfrm>
           <a:prstGeom prst="rect">
             <a:avLst/>

--- a/Propuesta_solucion_automatizacion.pptx
+++ b/Propuesta_solucion_automatizacion.pptx
@@ -5,16 +5,21 @@
     <p:sldMasterId id="2147483648" r:id="rId1"/>
   </p:sldMasterIdLst>
   <p:notesMasterIdLst>
-    <p:notesMasterId r:id="rId9"/>
+    <p:notesMasterId r:id="rId14"/>
   </p:notesMasterIdLst>
   <p:sldIdLst>
     <p:sldId id="256" r:id="rId2"/>
     <p:sldId id="264" r:id="rId3"/>
-    <p:sldId id="276" r:id="rId4"/>
-    <p:sldId id="271" r:id="rId5"/>
-    <p:sldId id="272" r:id="rId6"/>
-    <p:sldId id="273" r:id="rId7"/>
-    <p:sldId id="274" r:id="rId8"/>
+    <p:sldId id="280" r:id="rId4"/>
+    <p:sldId id="278" r:id="rId5"/>
+    <p:sldId id="282" r:id="rId6"/>
+    <p:sldId id="283" r:id="rId7"/>
+    <p:sldId id="284" r:id="rId8"/>
+    <p:sldId id="276" r:id="rId9"/>
+    <p:sldId id="271" r:id="rId10"/>
+    <p:sldId id="272" r:id="rId11"/>
+    <p:sldId id="273" r:id="rId12"/>
+    <p:sldId id="274" r:id="rId13"/>
   </p:sldIdLst>
   <p:sldSz cx="12192000" cy="6858000"/>
   <p:notesSz cx="6858000" cy="9144000"/>
@@ -544,7 +549,7 @@
           <a:p>
             <a:fld id="{52AE7859-70A5-4EC6-BA0A-7BF651CE5998}" type="slidenum">
               <a:rPr lang="es-CL" smtClean="0"/>
-              <a:t>4</a:t>
+              <a:t>9</a:t>
             </a:fld>
             <a:endParaRPr lang="es-CL"/>
           </a:p>
@@ -628,7 +633,7 @@
           <a:p>
             <a:fld id="{52AE7859-70A5-4EC6-BA0A-7BF651CE5998}" type="slidenum">
               <a:rPr lang="es-CL" smtClean="0"/>
-              <a:t>5</a:t>
+              <a:t>10</a:t>
             </a:fld>
             <a:endParaRPr lang="es-CL"/>
           </a:p>
@@ -712,7 +717,7 @@
           <a:p>
             <a:fld id="{52AE7859-70A5-4EC6-BA0A-7BF651CE5998}" type="slidenum">
               <a:rPr lang="es-CL" smtClean="0"/>
-              <a:t>6</a:t>
+              <a:t>11</a:t>
             </a:fld>
             <a:endParaRPr lang="es-CL"/>
           </a:p>
@@ -796,7 +801,7 @@
           <a:p>
             <a:fld id="{52AE7859-70A5-4EC6-BA0A-7BF651CE5998}" type="slidenum">
               <a:rPr lang="es-CL" smtClean="0"/>
-              <a:t>7</a:t>
+              <a:t>12</a:t>
             </a:fld>
             <a:endParaRPr lang="es-CL"/>
           </a:p>
@@ -4194,6 +4199,381 @@
 </p:sld>
 </file>
 
+<file path=ppt/slides/slide10.xml><?xml version="1.0" encoding="utf-8"?>
+<p:sld xmlns:a="http://schemas.openxmlformats.org/drawingml/2006/main" xmlns:r="http://schemas.openxmlformats.org/officeDocument/2006/relationships" xmlns:p="http://schemas.openxmlformats.org/presentationml/2006/main">
+  <p:cSld>
+    <p:spTree>
+      <p:nvGrpSpPr>
+        <p:cNvPr id="1" name=""/>
+        <p:cNvGrpSpPr/>
+        <p:nvPr/>
+      </p:nvGrpSpPr>
+      <p:grpSpPr>
+        <a:xfrm>
+          <a:off x="0" y="0"/>
+          <a:ext cx="0" cy="0"/>
+          <a:chOff x="0" y="0"/>
+          <a:chExt cx="0" cy="0"/>
+        </a:xfrm>
+      </p:grpSpPr>
+      <p:sp>
+        <p:nvSpPr>
+          <p:cNvPr id="2" name="Título 1">
+            <a:extLst>
+              <a:ext uri="{FF2B5EF4-FFF2-40B4-BE49-F238E27FC236}">
+                <a16:creationId xmlns:a16="http://schemas.microsoft.com/office/drawing/2014/main" id="{958CFA3E-DEBC-4525-A616-BFCFC011C12B}"/>
+              </a:ext>
+            </a:extLst>
+          </p:cNvPr>
+          <p:cNvSpPr>
+            <a:spLocks noGrp="1"/>
+          </p:cNvSpPr>
+          <p:nvPr>
+            <p:ph type="title"/>
+          </p:nvPr>
+        </p:nvSpPr>
+        <p:spPr>
+          <a:xfrm>
+            <a:off x="287045" y="912244"/>
+            <a:ext cx="7572652" cy="641348"/>
+          </a:xfrm>
+        </p:spPr>
+        <p:txBody>
+          <a:bodyPr>
+            <a:normAutofit fontScale="90000"/>
+          </a:bodyPr>
+          <a:lstStyle/>
+          <a:p>
+            <a:r>
+              <a:rPr lang="es-CL" dirty="0"/>
+              <a:t>Página de planificación</a:t>
+            </a:r>
+          </a:p>
+        </p:txBody>
+      </p:sp>
+      <p:pic>
+        <p:nvPicPr>
+          <p:cNvPr id="3" name="Imagen 2">
+            <a:extLst>
+              <a:ext uri="{FF2B5EF4-FFF2-40B4-BE49-F238E27FC236}">
+                <a16:creationId xmlns:a16="http://schemas.microsoft.com/office/drawing/2014/main" id="{5CB522AC-D5E5-43D4-A362-FF16AA98B89A}"/>
+              </a:ext>
+            </a:extLst>
+          </p:cNvPr>
+          <p:cNvPicPr>
+            <a:picLocks noChangeAspect="1"/>
+          </p:cNvPicPr>
+          <p:nvPr/>
+        </p:nvPicPr>
+        <p:blipFill>
+          <a:blip r:embed="rId3"/>
+          <a:stretch>
+            <a:fillRect/>
+          </a:stretch>
+        </p:blipFill>
+        <p:spPr>
+          <a:xfrm>
+            <a:off x="291449" y="1553592"/>
+            <a:ext cx="5804551" cy="5012184"/>
+          </a:xfrm>
+          <a:prstGeom prst="rect">
+            <a:avLst/>
+          </a:prstGeom>
+        </p:spPr>
+      </p:pic>
+      <p:pic>
+        <p:nvPicPr>
+          <p:cNvPr id="5" name="Imagen 4">
+            <a:extLst>
+              <a:ext uri="{FF2B5EF4-FFF2-40B4-BE49-F238E27FC236}">
+                <a16:creationId xmlns:a16="http://schemas.microsoft.com/office/drawing/2014/main" id="{6ED88CB0-A0BE-4FD0-8834-239815C527B4}"/>
+              </a:ext>
+            </a:extLst>
+          </p:cNvPr>
+          <p:cNvPicPr>
+            <a:picLocks noChangeAspect="1"/>
+          </p:cNvPicPr>
+          <p:nvPr/>
+        </p:nvPicPr>
+        <p:blipFill>
+          <a:blip r:embed="rId4"/>
+          <a:stretch>
+            <a:fillRect/>
+          </a:stretch>
+        </p:blipFill>
+        <p:spPr>
+          <a:xfrm>
+            <a:off x="6096000" y="1553593"/>
+            <a:ext cx="5827475" cy="5012184"/>
+          </a:xfrm>
+          <a:prstGeom prst="rect">
+            <a:avLst/>
+          </a:prstGeom>
+        </p:spPr>
+      </p:pic>
+    </p:spTree>
+    <p:extLst>
+      <p:ext uri="{BB962C8B-B14F-4D97-AF65-F5344CB8AC3E}">
+        <p14:creationId xmlns:p14="http://schemas.microsoft.com/office/powerpoint/2010/main" val="4028449169"/>
+      </p:ext>
+    </p:extLst>
+  </p:cSld>
+  <p:clrMapOvr>
+    <a:masterClrMapping/>
+  </p:clrMapOvr>
+</p:sld>
+</file>
+
+<file path=ppt/slides/slide11.xml><?xml version="1.0" encoding="utf-8"?>
+<p:sld xmlns:a="http://schemas.openxmlformats.org/drawingml/2006/main" xmlns:r="http://schemas.openxmlformats.org/officeDocument/2006/relationships" xmlns:p="http://schemas.openxmlformats.org/presentationml/2006/main">
+  <p:cSld>
+    <p:spTree>
+      <p:nvGrpSpPr>
+        <p:cNvPr id="1" name=""/>
+        <p:cNvGrpSpPr/>
+        <p:nvPr/>
+      </p:nvGrpSpPr>
+      <p:grpSpPr>
+        <a:xfrm>
+          <a:off x="0" y="0"/>
+          <a:ext cx="0" cy="0"/>
+          <a:chOff x="0" y="0"/>
+          <a:chExt cx="0" cy="0"/>
+        </a:xfrm>
+      </p:grpSpPr>
+      <p:sp>
+        <p:nvSpPr>
+          <p:cNvPr id="2" name="Título 1">
+            <a:extLst>
+              <a:ext uri="{FF2B5EF4-FFF2-40B4-BE49-F238E27FC236}">
+                <a16:creationId xmlns:a16="http://schemas.microsoft.com/office/drawing/2014/main" id="{958CFA3E-DEBC-4525-A616-BFCFC011C12B}"/>
+              </a:ext>
+            </a:extLst>
+          </p:cNvPr>
+          <p:cNvSpPr>
+            <a:spLocks noGrp="1"/>
+          </p:cNvSpPr>
+          <p:nvPr>
+            <p:ph type="title"/>
+          </p:nvPr>
+        </p:nvSpPr>
+        <p:spPr>
+          <a:xfrm>
+            <a:off x="287045" y="912244"/>
+            <a:ext cx="7572652" cy="641348"/>
+          </a:xfrm>
+        </p:spPr>
+        <p:txBody>
+          <a:bodyPr>
+            <a:normAutofit fontScale="90000"/>
+          </a:bodyPr>
+          <a:lstStyle/>
+          <a:p>
+            <a:r>
+              <a:rPr lang="es-CL" dirty="0"/>
+              <a:t>Página de problemas</a:t>
+            </a:r>
+          </a:p>
+        </p:txBody>
+      </p:sp>
+      <p:pic>
+        <p:nvPicPr>
+          <p:cNvPr id="6" name="Imagen 5">
+            <a:extLst>
+              <a:ext uri="{FF2B5EF4-FFF2-40B4-BE49-F238E27FC236}">
+                <a16:creationId xmlns:a16="http://schemas.microsoft.com/office/drawing/2014/main" id="{1A1E56B8-BCF9-4E72-B0E2-268E1913DDE4}"/>
+              </a:ext>
+            </a:extLst>
+          </p:cNvPr>
+          <p:cNvPicPr>
+            <a:picLocks noChangeAspect="1"/>
+          </p:cNvPicPr>
+          <p:nvPr/>
+        </p:nvPicPr>
+        <p:blipFill>
+          <a:blip r:embed="rId3"/>
+          <a:stretch>
+            <a:fillRect/>
+          </a:stretch>
+        </p:blipFill>
+        <p:spPr>
+          <a:xfrm>
+            <a:off x="287044" y="1473694"/>
+            <a:ext cx="5808955" cy="5006766"/>
+          </a:xfrm>
+          <a:prstGeom prst="rect">
+            <a:avLst/>
+          </a:prstGeom>
+        </p:spPr>
+      </p:pic>
+      <p:pic>
+        <p:nvPicPr>
+          <p:cNvPr id="7" name="Imagen 6">
+            <a:extLst>
+              <a:ext uri="{FF2B5EF4-FFF2-40B4-BE49-F238E27FC236}">
+                <a16:creationId xmlns:a16="http://schemas.microsoft.com/office/drawing/2014/main" id="{D1DA5C09-62FB-47DD-8BFA-A8C1A5739160}"/>
+              </a:ext>
+            </a:extLst>
+          </p:cNvPr>
+          <p:cNvPicPr>
+            <a:picLocks noChangeAspect="1"/>
+          </p:cNvPicPr>
+          <p:nvPr/>
+        </p:nvPicPr>
+        <p:blipFill>
+          <a:blip r:embed="rId4"/>
+          <a:stretch>
+            <a:fillRect/>
+          </a:stretch>
+        </p:blipFill>
+        <p:spPr>
+          <a:xfrm>
+            <a:off x="6095998" y="1444905"/>
+            <a:ext cx="5886765" cy="5106815"/>
+          </a:xfrm>
+          <a:prstGeom prst="rect">
+            <a:avLst/>
+          </a:prstGeom>
+        </p:spPr>
+      </p:pic>
+    </p:spTree>
+    <p:extLst>
+      <p:ext uri="{BB962C8B-B14F-4D97-AF65-F5344CB8AC3E}">
+        <p14:creationId xmlns:p14="http://schemas.microsoft.com/office/powerpoint/2010/main" val="2935961625"/>
+      </p:ext>
+    </p:extLst>
+  </p:cSld>
+  <p:clrMapOvr>
+    <a:masterClrMapping/>
+  </p:clrMapOvr>
+</p:sld>
+</file>
+
+<file path=ppt/slides/slide12.xml><?xml version="1.0" encoding="utf-8"?>
+<p:sld xmlns:a="http://schemas.openxmlformats.org/drawingml/2006/main" xmlns:r="http://schemas.openxmlformats.org/officeDocument/2006/relationships" xmlns:p="http://schemas.openxmlformats.org/presentationml/2006/main">
+  <p:cSld>
+    <p:spTree>
+      <p:nvGrpSpPr>
+        <p:cNvPr id="1" name=""/>
+        <p:cNvGrpSpPr/>
+        <p:nvPr/>
+      </p:nvGrpSpPr>
+      <p:grpSpPr>
+        <a:xfrm>
+          <a:off x="0" y="0"/>
+          <a:ext cx="0" cy="0"/>
+          <a:chOff x="0" y="0"/>
+          <a:chExt cx="0" cy="0"/>
+        </a:xfrm>
+      </p:grpSpPr>
+      <p:sp>
+        <p:nvSpPr>
+          <p:cNvPr id="2" name="Título 1">
+            <a:extLst>
+              <a:ext uri="{FF2B5EF4-FFF2-40B4-BE49-F238E27FC236}">
+                <a16:creationId xmlns:a16="http://schemas.microsoft.com/office/drawing/2014/main" id="{958CFA3E-DEBC-4525-A616-BFCFC011C12B}"/>
+              </a:ext>
+            </a:extLst>
+          </p:cNvPr>
+          <p:cNvSpPr>
+            <a:spLocks noGrp="1"/>
+          </p:cNvSpPr>
+          <p:nvPr>
+            <p:ph type="title"/>
+          </p:nvPr>
+        </p:nvSpPr>
+        <p:spPr>
+          <a:xfrm>
+            <a:off x="287045" y="912244"/>
+            <a:ext cx="7572652" cy="641348"/>
+          </a:xfrm>
+        </p:spPr>
+        <p:txBody>
+          <a:bodyPr>
+            <a:normAutofit fontScale="90000"/>
+          </a:bodyPr>
+          <a:lstStyle/>
+          <a:p>
+            <a:r>
+              <a:rPr lang="es-CL" dirty="0"/>
+              <a:t>Página de proceso de pedido actual</a:t>
+            </a:r>
+          </a:p>
+        </p:txBody>
+      </p:sp>
+      <p:pic>
+        <p:nvPicPr>
+          <p:cNvPr id="4" name="Imagen 3">
+            <a:extLst>
+              <a:ext uri="{FF2B5EF4-FFF2-40B4-BE49-F238E27FC236}">
+                <a16:creationId xmlns:a16="http://schemas.microsoft.com/office/drawing/2014/main" id="{6B584A58-15CD-4728-8852-D8AA9A99462C}"/>
+              </a:ext>
+            </a:extLst>
+          </p:cNvPr>
+          <p:cNvPicPr>
+            <a:picLocks noChangeAspect="1"/>
+          </p:cNvPicPr>
+          <p:nvPr/>
+        </p:nvPicPr>
+        <p:blipFill>
+          <a:blip r:embed="rId3"/>
+          <a:stretch>
+            <a:fillRect/>
+          </a:stretch>
+        </p:blipFill>
+        <p:spPr>
+          <a:xfrm>
+            <a:off x="392699" y="1465048"/>
+            <a:ext cx="5591175" cy="4808944"/>
+          </a:xfrm>
+          <a:prstGeom prst="rect">
+            <a:avLst/>
+          </a:prstGeom>
+        </p:spPr>
+      </p:pic>
+      <p:pic>
+        <p:nvPicPr>
+          <p:cNvPr id="8" name="Imagen 7">
+            <a:extLst>
+              <a:ext uri="{FF2B5EF4-FFF2-40B4-BE49-F238E27FC236}">
+                <a16:creationId xmlns:a16="http://schemas.microsoft.com/office/drawing/2014/main" id="{DAAAD250-1D17-4547-B844-1261FA724F49}"/>
+              </a:ext>
+            </a:extLst>
+          </p:cNvPr>
+          <p:cNvPicPr>
+            <a:picLocks noChangeAspect="1"/>
+          </p:cNvPicPr>
+          <p:nvPr/>
+        </p:nvPicPr>
+        <p:blipFill>
+          <a:blip r:embed="rId4"/>
+          <a:stretch>
+            <a:fillRect/>
+          </a:stretch>
+        </p:blipFill>
+        <p:spPr>
+          <a:xfrm>
+            <a:off x="6096000" y="1431120"/>
+            <a:ext cx="5638800" cy="4876800"/>
+          </a:xfrm>
+          <a:prstGeom prst="rect">
+            <a:avLst/>
+          </a:prstGeom>
+        </p:spPr>
+      </p:pic>
+    </p:spTree>
+    <p:extLst>
+      <p:ext uri="{BB962C8B-B14F-4D97-AF65-F5344CB8AC3E}">
+        <p14:creationId xmlns:p14="http://schemas.microsoft.com/office/powerpoint/2010/main" val="2560640174"/>
+      </p:ext>
+    </p:extLst>
+  </p:cSld>
+  <p:clrMapOvr>
+    <a:masterClrMapping/>
+  </p:clrMapOvr>
+</p:sld>
+</file>
+
 <file path=ppt/slides/slide2.xml><?xml version="1.0" encoding="utf-8"?>
 <p:sld xmlns:a="http://schemas.openxmlformats.org/drawingml/2006/main" xmlns:r="http://schemas.openxmlformats.org/officeDocument/2006/relationships" xmlns:p="http://schemas.openxmlformats.org/presentationml/2006/main">
   <p:cSld>
@@ -4375,7 +4755,7 @@
           <a:p>
             <a:r>
               <a:rPr lang="es-CL" dirty="0"/>
-              <a:t>Descripción de la solución (Software)</a:t>
+              <a:t>Descripción de la solución (Infraestructura)</a:t>
             </a:r>
           </a:p>
         </p:txBody>
@@ -4399,7 +4779,7 @@
         <p:spPr/>
         <p:txBody>
           <a:bodyPr>
-            <a:normAutofit lnSpcReduction="10000"/>
+            <a:normAutofit/>
           </a:bodyPr>
           <a:lstStyle/>
           <a:p>
@@ -4408,52 +4788,229 @@
             </a:pPr>
             <a:r>
               <a:rPr lang="es-CL" dirty="0"/>
-              <a:t>Para guardar los registros capturados por los sensores que se observan en el </a:t>
-            </a:r>
-            <a:r>
-              <a:rPr lang="es-CL" dirty="0">
-                <a:hlinkClick r:id="rId2" action="ppaction://hlinksldjump"/>
-              </a:rPr>
-              <a:t>Esquema Global</a:t>
-            </a:r>
-            <a:r>
-              <a:rPr lang="es-CL" dirty="0"/>
-              <a:t>, se realiza una Base de datos creada en SQL Server. Posteriormente se implementa una página web realizada en el Framework ASP.NET la cual ayuda a: visualizar los datos obtenidos por los sensores, dar prioridad a las ordenes a realizar en el día, identificar problemas que suceden en el proceso de producción y visualizar problemas según la orden.</a:t>
-            </a:r>
-          </a:p>
-          <a:p>
-            <a:pPr marL="457200" lvl="1" indent="0" algn="just">
-              <a:buNone/>
-            </a:pPr>
-            <a:r>
-              <a:rPr lang="es-CL" dirty="0"/>
-              <a:t>Por otra parte se tiene la base de datos del SAP para obtener los datos de los pedidos.</a:t>
-            </a:r>
-          </a:p>
-          <a:p>
-            <a:pPr marL="457200" lvl="1" indent="0" algn="just">
-              <a:buNone/>
-            </a:pPr>
-            <a:r>
-              <a:rPr lang="es-CL" dirty="0"/>
-              <a:t>Cabe destacar que tanto la página web como la base de datos en la que se registran los datos de los sensores y la base de datos del SAP se encuentra en un servidor local.</a:t>
-            </a:r>
-          </a:p>
-          <a:p>
-            <a:pPr marL="457200" lvl="1" indent="0" algn="just">
-              <a:buNone/>
-            </a:pPr>
-            <a:r>
-              <a:rPr lang="es-CL" dirty="0"/>
-              <a:t>En las siguientes diapositivas se muestra una propuesta de lo que sería la página web.</a:t>
-            </a:r>
-          </a:p>
-        </p:txBody>
-      </p:sp>
+              <a:t>Para la solución de infraestructura el proyecto se divide en 3 partes asociadas a las áreas de instalación en la planta.</a:t>
+            </a:r>
+          </a:p>
+        </p:txBody>
+      </p:sp>
+      <p:graphicFrame>
+        <p:nvGraphicFramePr>
+          <p:cNvPr id="4" name="Tabla 4">
+            <a:extLst>
+              <a:ext uri="{FF2B5EF4-FFF2-40B4-BE49-F238E27FC236}">
+                <a16:creationId xmlns:a16="http://schemas.microsoft.com/office/drawing/2014/main" id="{79698416-BDCE-4BA1-B9B1-F5FEDE3667E2}"/>
+              </a:ext>
+            </a:extLst>
+          </p:cNvPr>
+          <p:cNvGraphicFramePr>
+            <a:graphicFrameLocks noGrp="1"/>
+          </p:cNvGraphicFramePr>
+          <p:nvPr>
+            <p:extLst>
+              <p:ext uri="{D42A27DB-BD31-4B8C-83A1-F6EECF244321}">
+                <p14:modId xmlns:p14="http://schemas.microsoft.com/office/powerpoint/2010/main" val="3235022596"/>
+              </p:ext>
+            </p:extLst>
+          </p:nvPr>
+        </p:nvGraphicFramePr>
+        <p:xfrm>
+          <a:off x="1650754" y="2877516"/>
+          <a:ext cx="8890491" cy="2463866"/>
+        </p:xfrm>
+        <a:graphic>
+          <a:graphicData uri="http://schemas.openxmlformats.org/drawingml/2006/table">
+            <a:tbl>
+              <a:tblPr firstRow="1" bandRow="1">
+                <a:tableStyleId>{073A0DAA-6AF3-43AB-8588-CEC1D06C72B9}</a:tableStyleId>
+              </a:tblPr>
+              <a:tblGrid>
+                <a:gridCol w="2963497">
+                  <a:extLst>
+                    <a:ext uri="{9D8B030D-6E8A-4147-A177-3AD203B41FA5}">
+                      <a16:colId xmlns:a16="http://schemas.microsoft.com/office/drawing/2014/main" val="118891302"/>
+                    </a:ext>
+                  </a:extLst>
+                </a:gridCol>
+                <a:gridCol w="2963497">
+                  <a:extLst>
+                    <a:ext uri="{9D8B030D-6E8A-4147-A177-3AD203B41FA5}">
+                      <a16:colId xmlns:a16="http://schemas.microsoft.com/office/drawing/2014/main" val="648609312"/>
+                    </a:ext>
+                  </a:extLst>
+                </a:gridCol>
+                <a:gridCol w="2963497">
+                  <a:extLst>
+                    <a:ext uri="{9D8B030D-6E8A-4147-A177-3AD203B41FA5}">
+                      <a16:colId xmlns:a16="http://schemas.microsoft.com/office/drawing/2014/main" val="3764953707"/>
+                    </a:ext>
+                  </a:extLst>
+                </a:gridCol>
+              </a:tblGrid>
+              <a:tr h="452186">
+                <a:tc>
+                  <a:txBody>
+                    <a:bodyPr/>
+                    <a:lstStyle/>
+                    <a:p>
+                      <a:pPr algn="ctr"/>
+                      <a:r>
+                        <a:rPr lang="es-CL" dirty="0"/>
+                        <a:t>Área de Control</a:t>
+                      </a:r>
+                    </a:p>
+                  </a:txBody>
+                  <a:tcPr/>
+                </a:tc>
+                <a:tc>
+                  <a:txBody>
+                    <a:bodyPr/>
+                    <a:lstStyle/>
+                    <a:p>
+                      <a:pPr algn="ctr"/>
+                      <a:r>
+                        <a:rPr lang="es-CL" dirty="0"/>
+                        <a:t>Área de Etiquetado</a:t>
+                      </a:r>
+                    </a:p>
+                  </a:txBody>
+                  <a:tcPr/>
+                </a:tc>
+                <a:tc>
+                  <a:txBody>
+                    <a:bodyPr/>
+                    <a:lstStyle/>
+                    <a:p>
+                      <a:pPr algn="ctr"/>
+                      <a:r>
+                        <a:rPr lang="es-CL" dirty="0"/>
+                        <a:t>Área de Embalaje</a:t>
+                      </a:r>
+                    </a:p>
+                  </a:txBody>
+                  <a:tcPr/>
+                </a:tc>
+                <a:extLst>
+                  <a:ext uri="{0D108BD9-81ED-4DB2-BD59-A6C34878D82A}">
+                    <a16:rowId xmlns:a16="http://schemas.microsoft.com/office/drawing/2014/main" val="1925226432"/>
+                  </a:ext>
+                </a:extLst>
+              </a:tr>
+              <a:tr h="1384629">
+                <a:tc>
+                  <a:txBody>
+                    <a:bodyPr/>
+                    <a:lstStyle/>
+                    <a:p>
+                      <a:pPr marL="285750" indent="-285750" algn="l">
+                        <a:buFont typeface="Arial" panose="020B0604020202020204" pitchFamily="34" charset="0"/>
+                        <a:buChar char="•"/>
+                      </a:pPr>
+                      <a:r>
+                        <a:rPr lang="es-CL" dirty="0"/>
+                        <a:t>Microprocesador</a:t>
+                      </a:r>
+                    </a:p>
+                    <a:p>
+                      <a:pPr marL="285750" indent="-285750" algn="l">
+                        <a:buFont typeface="Arial" panose="020B0604020202020204" pitchFamily="34" charset="0"/>
+                        <a:buChar char="•"/>
+                      </a:pPr>
+                      <a:r>
+                        <a:rPr lang="es-CL" dirty="0"/>
+                        <a:t>Acondicionamiento de señales</a:t>
+                      </a:r>
+                    </a:p>
+                    <a:p>
+                      <a:pPr marL="285750" indent="-285750" algn="l">
+                        <a:buFont typeface="Arial" panose="020B0604020202020204" pitchFamily="34" charset="0"/>
+                        <a:buChar char="•"/>
+                      </a:pPr>
+                      <a:r>
+                        <a:rPr lang="es-CL" dirty="0"/>
+                        <a:t>Conexión y distribución de alimentación eléctrica</a:t>
+                      </a:r>
+                    </a:p>
+                    <a:p>
+                      <a:pPr marL="285750" indent="-285750" algn="l">
+                        <a:buFont typeface="Arial" panose="020B0604020202020204" pitchFamily="34" charset="0"/>
+                        <a:buChar char="•"/>
+                      </a:pPr>
+                      <a:r>
+                        <a:rPr lang="es-CL" dirty="0"/>
+                        <a:t>HMI (Human Machine Interface)</a:t>
+                      </a:r>
+                    </a:p>
+                  </a:txBody>
+                  <a:tcPr/>
+                </a:tc>
+                <a:tc>
+                  <a:txBody>
+                    <a:bodyPr/>
+                    <a:lstStyle/>
+                    <a:p>
+                      <a:pPr marL="285750" indent="-285750" algn="l">
+                        <a:buFont typeface="Arial" panose="020B0604020202020204" pitchFamily="34" charset="0"/>
+                        <a:buChar char="•"/>
+                      </a:pPr>
+                      <a:r>
+                        <a:rPr lang="es-CL" dirty="0"/>
+                        <a:t>Sensores fotoeléctricos para detección de botellas</a:t>
+                      </a:r>
+                    </a:p>
+                    <a:p>
+                      <a:pPr marL="285750" indent="-285750" algn="l">
+                        <a:buFont typeface="Arial" panose="020B0604020202020204" pitchFamily="34" charset="0"/>
+                        <a:buChar char="•"/>
+                      </a:pPr>
+                      <a:r>
+                        <a:rPr lang="es-CL" dirty="0"/>
+                        <a:t>Reflectores</a:t>
+                      </a:r>
+                    </a:p>
+                  </a:txBody>
+                  <a:tcPr/>
+                </a:tc>
+                <a:tc>
+                  <a:txBody>
+                    <a:bodyPr/>
+                    <a:lstStyle/>
+                    <a:p>
+                      <a:pPr marL="285750" indent="-285750" algn="l">
+                        <a:buFont typeface="Arial" panose="020B0604020202020204" pitchFamily="34" charset="0"/>
+                        <a:buChar char="•"/>
+                      </a:pPr>
+                      <a:r>
+                        <a:rPr lang="es-CL" dirty="0"/>
+                        <a:t>Sensor Inductivo para detección de cajas</a:t>
+                      </a:r>
+                    </a:p>
+                    <a:p>
+                      <a:pPr marL="285750" indent="-285750" algn="l">
+                        <a:buFont typeface="Arial" panose="020B0604020202020204" pitchFamily="34" charset="0"/>
+                        <a:buChar char="•"/>
+                      </a:pPr>
+                      <a:r>
+                        <a:rPr lang="es-CL" dirty="0"/>
+                        <a:t>Pantalla LCDI2C para interfaz de conteo de cajas.</a:t>
+                      </a:r>
+                    </a:p>
+                  </a:txBody>
+                  <a:tcPr/>
+                </a:tc>
+                <a:extLst>
+                  <a:ext uri="{0D108BD9-81ED-4DB2-BD59-A6C34878D82A}">
+                    <a16:rowId xmlns:a16="http://schemas.microsoft.com/office/drawing/2014/main" val="2405926799"/>
+                  </a:ext>
+                </a:extLst>
+              </a:tr>
+            </a:tbl>
+          </a:graphicData>
+        </a:graphic>
+      </p:graphicFrame>
     </p:spTree>
     <p:extLst>
       <p:ext uri="{BB962C8B-B14F-4D97-AF65-F5344CB8AC3E}">
-        <p14:creationId xmlns:p14="http://schemas.microsoft.com/office/powerpoint/2010/main" val="1328680999"/>
+        <p14:creationId xmlns:p14="http://schemas.microsoft.com/office/powerpoint/2010/main" val="1425362400"/>
       </p:ext>
     </p:extLst>
   </p:cSld>
@@ -4485,7 +5042,7 @@
           <p:cNvPr id="2" name="Título 1">
             <a:extLst>
               <a:ext uri="{FF2B5EF4-FFF2-40B4-BE49-F238E27FC236}">
-                <a16:creationId xmlns:a16="http://schemas.microsoft.com/office/drawing/2014/main" id="{958CFA3E-DEBC-4525-A616-BFCFC011C12B}"/>
+                <a16:creationId xmlns:a16="http://schemas.microsoft.com/office/drawing/2014/main" id="{6AA2E772-1621-4357-BFF1-B7D9856847BA}"/>
               </a:ext>
             </a:extLst>
           </p:cNvPr>
@@ -4498,112 +5055,192 @@
         </p:nvSpPr>
         <p:spPr>
           <a:xfrm>
-            <a:off x="287045" y="912244"/>
-            <a:ext cx="7572652" cy="641348"/>
+            <a:off x="838200" y="681037"/>
+            <a:ext cx="10515600" cy="1009651"/>
           </a:xfrm>
         </p:spPr>
         <p:txBody>
+          <a:bodyPr/>
+          <a:lstStyle/>
+          <a:p>
+            <a:r>
+              <a:rPr lang="es-CL" dirty="0"/>
+              <a:t>Descripción de la solución (Infraestructura)</a:t>
+            </a:r>
+          </a:p>
+        </p:txBody>
+      </p:sp>
+      <p:sp>
+        <p:nvSpPr>
+          <p:cNvPr id="3" name="Marcador de contenido 2">
+            <a:extLst>
+              <a:ext uri="{FF2B5EF4-FFF2-40B4-BE49-F238E27FC236}">
+                <a16:creationId xmlns:a16="http://schemas.microsoft.com/office/drawing/2014/main" id="{9C577CFF-3BBC-4210-8291-7B4C67879FA0}"/>
+              </a:ext>
+            </a:extLst>
+          </p:cNvPr>
+          <p:cNvSpPr>
+            <a:spLocks noGrp="1"/>
+          </p:cNvSpPr>
+          <p:nvPr>
+            <p:ph idx="1"/>
+          </p:nvPr>
+        </p:nvSpPr>
+        <p:spPr>
+          <a:xfrm>
+            <a:off x="838200" y="1825625"/>
+            <a:ext cx="7444666" cy="4351338"/>
+          </a:xfrm>
+        </p:spPr>
+        <p:txBody>
           <a:bodyPr>
-            <a:normAutofit fontScale="90000"/>
+            <a:normAutofit/>
           </a:bodyPr>
           <a:lstStyle/>
           <a:p>
+            <a:pPr marL="457200" lvl="1" indent="0" algn="just">
+              <a:buNone/>
+            </a:pPr>
             <a:r>
               <a:rPr lang="es-CL" dirty="0"/>
-              <a:t>Página principal</a:t>
-            </a:r>
-          </a:p>
-        </p:txBody>
-      </p:sp>
-      <p:sp>
-        <p:nvSpPr>
-          <p:cNvPr id="6" name="Marcador de contenido 5">
-            <a:extLst>
-              <a:ext uri="{FF2B5EF4-FFF2-40B4-BE49-F238E27FC236}">
-                <a16:creationId xmlns:a16="http://schemas.microsoft.com/office/drawing/2014/main" id="{11FA2F1F-8427-4BAA-9F7A-EDFC5F1D9991}"/>
-              </a:ext>
-            </a:extLst>
-          </p:cNvPr>
-          <p:cNvSpPr>
-            <a:spLocks noGrp="1"/>
-          </p:cNvSpPr>
-          <p:nvPr>
-            <p:ph idx="1"/>
-          </p:nvPr>
-        </p:nvSpPr>
-        <p:spPr/>
-        <p:txBody>
-          <a:bodyPr/>
-          <a:lstStyle/>
-          <a:p>
+              <a:t>Área de control:</a:t>
+            </a:r>
+          </a:p>
+          <a:p>
+            <a:pPr marL="457200" lvl="1" indent="0" algn="just">
+              <a:buNone/>
+            </a:pPr>
             <a:endParaRPr lang="es-CL" dirty="0"/>
+          </a:p>
+          <a:p>
+            <a:pPr marL="457200" lvl="1" indent="0" algn="just">
+              <a:buNone/>
+            </a:pPr>
+            <a:r>
+              <a:rPr lang="es-CL" dirty="0"/>
+              <a:t>Para procesar la lectura de las señales de los sensores se instala una SBC (</a:t>
+            </a:r>
+            <a:r>
+              <a:rPr lang="es-CL" i="1" dirty="0"/>
+              <a:t>single </a:t>
+            </a:r>
+            <a:r>
+              <a:rPr lang="es-CL" i="1" dirty="0" err="1"/>
+              <a:t>board</a:t>
+            </a:r>
+            <a:r>
+              <a:rPr lang="es-CL" i="1" dirty="0"/>
+              <a:t> </a:t>
+            </a:r>
+            <a:r>
+              <a:rPr lang="es-CL" i="1" dirty="0" err="1"/>
+              <a:t>computer</a:t>
+            </a:r>
+            <a:r>
+              <a:rPr lang="es-CL" dirty="0"/>
+              <a:t>).  El SBC consiste en una Raspberry Pi 3 B+, el cual representa el núcleo del proyecto, este se encarga de procesar la información entregada por el microcontrolador y validarla con la planificación de producción diaria obtenida desde una base de datos local. Además, el SBC se encarga de retransmitir la información obtenida y la planificación a una HMI.</a:t>
+            </a:r>
           </a:p>
         </p:txBody>
       </p:sp>
       <p:pic>
         <p:nvPicPr>
-          <p:cNvPr id="7" name="Imagen 6">
-            <a:extLst>
-              <a:ext uri="{FF2B5EF4-FFF2-40B4-BE49-F238E27FC236}">
-                <a16:creationId xmlns:a16="http://schemas.microsoft.com/office/drawing/2014/main" id="{9AEA24E6-9C94-4101-9F72-EE01F8FCE8A3}"/>
+          <p:cNvPr id="1028" name="Picture 4" descr="Resultado de imagen para raspberry pi 3">
+            <a:extLst>
+              <a:ext uri="{FF2B5EF4-FFF2-40B4-BE49-F238E27FC236}">
+                <a16:creationId xmlns:a16="http://schemas.microsoft.com/office/drawing/2014/main" id="{7F32DCF0-AC40-49E4-A3B1-45F702DBFADA}"/>
               </a:ext>
             </a:extLst>
           </p:cNvPr>
           <p:cNvPicPr>
-            <a:picLocks noChangeAspect="1"/>
+            <a:picLocks noChangeAspect="1" noChangeArrowheads="1"/>
           </p:cNvPicPr>
           <p:nvPr/>
         </p:nvPicPr>
         <p:blipFill>
-          <a:blip r:embed="rId3"/>
+          <a:blip r:embed="rId2">
+            <a:extLst>
+              <a:ext uri="{28A0092B-C50C-407E-A947-70E740481C1C}">
+                <a14:useLocalDpi xmlns:a14="http://schemas.microsoft.com/office/drawing/2010/main" val="0"/>
+              </a:ext>
+            </a:extLst>
+          </a:blip>
+          <a:srcRect/>
           <a:stretch>
             <a:fillRect/>
           </a:stretch>
         </p:blipFill>
-        <p:spPr>
+        <p:spPr bwMode="auto">
           <a:xfrm>
-            <a:off x="228121" y="1589100"/>
-            <a:ext cx="5799770" cy="4987477"/>
+            <a:off x="8694522" y="3889230"/>
+            <a:ext cx="2730068" cy="1906129"/>
           </a:xfrm>
           <a:prstGeom prst="rect">
             <a:avLst/>
           </a:prstGeom>
+          <a:noFill/>
+          <a:extLst>
+            <a:ext uri="{909E8E84-426E-40DD-AFC4-6F175D3DCCD1}">
+              <a14:hiddenFill xmlns:a14="http://schemas.microsoft.com/office/drawing/2010/main">
+                <a:solidFill>
+                  <a:srgbClr val="FFFFFF"/>
+                </a:solidFill>
+              </a14:hiddenFill>
+            </a:ext>
+          </a:extLst>
         </p:spPr>
       </p:pic>
       <p:pic>
         <p:nvPicPr>
-          <p:cNvPr id="9" name="Imagen 8">
-            <a:extLst>
-              <a:ext uri="{FF2B5EF4-FFF2-40B4-BE49-F238E27FC236}">
-                <a16:creationId xmlns:a16="http://schemas.microsoft.com/office/drawing/2014/main" id="{C1F15BD8-E137-4C61-874C-4B08C61C8957}"/>
+          <p:cNvPr id="1030" name="Picture 6" descr="Resultado de imagen para caja metalica electrica">
+            <a:extLst>
+              <a:ext uri="{FF2B5EF4-FFF2-40B4-BE49-F238E27FC236}">
+                <a16:creationId xmlns:a16="http://schemas.microsoft.com/office/drawing/2014/main" id="{BE0757E1-121A-48A3-93F7-37596C0C0100}"/>
               </a:ext>
             </a:extLst>
           </p:cNvPr>
           <p:cNvPicPr>
-            <a:picLocks noChangeAspect="1"/>
+            <a:picLocks noChangeAspect="1" noChangeArrowheads="1"/>
           </p:cNvPicPr>
           <p:nvPr/>
         </p:nvPicPr>
         <p:blipFill>
-          <a:blip r:embed="rId4"/>
+          <a:blip r:embed="rId3">
+            <a:extLst>
+              <a:ext uri="{28A0092B-C50C-407E-A947-70E740481C1C}">
+                <a14:useLocalDpi xmlns:a14="http://schemas.microsoft.com/office/drawing/2010/main" val="0"/>
+              </a:ext>
+            </a:extLst>
+          </a:blip>
+          <a:srcRect/>
           <a:stretch>
             <a:fillRect/>
           </a:stretch>
         </p:blipFill>
-        <p:spPr>
+        <p:spPr bwMode="auto">
           <a:xfrm>
-            <a:off x="6096000" y="1580222"/>
-            <a:ext cx="5829258" cy="5022985"/>
+            <a:off x="8987993" y="1825625"/>
+            <a:ext cx="2143125" cy="2143125"/>
           </a:xfrm>
           <a:prstGeom prst="rect">
             <a:avLst/>
           </a:prstGeom>
+          <a:noFill/>
+          <a:extLst>
+            <a:ext uri="{909E8E84-426E-40DD-AFC4-6F175D3DCCD1}">
+              <a14:hiddenFill xmlns:a14="http://schemas.microsoft.com/office/drawing/2010/main">
+                <a:solidFill>
+                  <a:srgbClr val="FFFFFF"/>
+                </a:solidFill>
+              </a14:hiddenFill>
+            </a:ext>
+          </a:extLst>
         </p:spPr>
       </p:pic>
     </p:spTree>
     <p:extLst>
       <p:ext uri="{BB962C8B-B14F-4D97-AF65-F5344CB8AC3E}">
-        <p14:creationId xmlns:p14="http://schemas.microsoft.com/office/powerpoint/2010/main" val="2596626397"/>
+        <p14:creationId xmlns:p14="http://schemas.microsoft.com/office/powerpoint/2010/main" val="3263347621"/>
       </p:ext>
     </p:extLst>
   </p:cSld>
@@ -4635,7 +5272,7 @@
           <p:cNvPr id="2" name="Título 1">
             <a:extLst>
               <a:ext uri="{FF2B5EF4-FFF2-40B4-BE49-F238E27FC236}">
-                <a16:creationId xmlns:a16="http://schemas.microsoft.com/office/drawing/2014/main" id="{958CFA3E-DEBC-4525-A616-BFCFC011C12B}"/>
+                <a16:creationId xmlns:a16="http://schemas.microsoft.com/office/drawing/2014/main" id="{6AA2E772-1621-4357-BFF1-B7D9856847BA}"/>
               </a:ext>
             </a:extLst>
           </p:cNvPr>
@@ -4648,29 +5285,89 @@
         </p:nvSpPr>
         <p:spPr>
           <a:xfrm>
-            <a:off x="287045" y="912244"/>
-            <a:ext cx="7572652" cy="641348"/>
+            <a:off x="838200" y="681037"/>
+            <a:ext cx="10515600" cy="1009651"/>
           </a:xfrm>
         </p:spPr>
         <p:txBody>
+          <a:bodyPr/>
+          <a:lstStyle/>
+          <a:p>
+            <a:r>
+              <a:rPr lang="es-CL" dirty="0"/>
+              <a:t>Descripción de la solución (Infraestructura)</a:t>
+            </a:r>
+          </a:p>
+        </p:txBody>
+      </p:sp>
+      <p:sp>
+        <p:nvSpPr>
+          <p:cNvPr id="3" name="Marcador de contenido 2">
+            <a:extLst>
+              <a:ext uri="{FF2B5EF4-FFF2-40B4-BE49-F238E27FC236}">
+                <a16:creationId xmlns:a16="http://schemas.microsoft.com/office/drawing/2014/main" id="{9C577CFF-3BBC-4210-8291-7B4C67879FA0}"/>
+              </a:ext>
+            </a:extLst>
+          </p:cNvPr>
+          <p:cNvSpPr>
+            <a:spLocks noGrp="1"/>
+          </p:cNvSpPr>
+          <p:nvPr>
+            <p:ph idx="1"/>
+          </p:nvPr>
+        </p:nvSpPr>
+        <p:spPr>
+          <a:xfrm>
+            <a:off x="-76199" y="1690688"/>
+            <a:ext cx="8359066" cy="4351338"/>
+          </a:xfrm>
+        </p:spPr>
+        <p:txBody>
           <a:bodyPr>
-            <a:normAutofit fontScale="90000"/>
+            <a:normAutofit lnSpcReduction="10000"/>
           </a:bodyPr>
           <a:lstStyle/>
           <a:p>
+            <a:pPr marL="457200" lvl="1" indent="0" algn="just">
+              <a:buNone/>
+            </a:pPr>
             <a:r>
               <a:rPr lang="es-CL" dirty="0"/>
-              <a:t>Página de planificación</a:t>
+              <a:t>HMI (Human Machine Interface):</a:t>
+            </a:r>
+          </a:p>
+          <a:p>
+            <a:pPr marL="457200" lvl="1" indent="0" algn="just">
+              <a:buNone/>
+            </a:pPr>
+            <a:endParaRPr lang="es-CL" dirty="0"/>
+          </a:p>
+          <a:p>
+            <a:pPr marL="457200" lvl="1" indent="0" algn="just">
+              <a:buNone/>
+            </a:pPr>
+            <a:r>
+              <a:rPr lang="es-CL" dirty="0"/>
+              <a:t>Esta HMI cuenta con las opciones de selección para el proceso que se llevará a cabo en el momento, esto queda a criterio del encargado de producción en la línea de etiquetado para iniciar, finalizar o pausar un pedido planificado. </a:t>
+            </a:r>
+          </a:p>
+          <a:p>
+            <a:pPr marL="457200" lvl="1" indent="0" algn="just">
+              <a:buNone/>
+            </a:pPr>
+            <a:r>
+              <a:rPr lang="es-CL" dirty="0"/>
+              <a:t>La acción de pausar el pedido de producción conlleva a un selector de causas,  la cual despliega las opciones de detención más comunes, desde la falta de botellas para etiquetar, estancamiento o rotura de botellas, hasta un accidente laboral, dando la opción de retomar o postergar el pedido posteriormente con la finalidad de asociar una causa a la detención o tiempos muertos de producción.</a:t>
             </a:r>
           </a:p>
         </p:txBody>
       </p:sp>
       <p:pic>
         <p:nvPicPr>
-          <p:cNvPr id="3" name="Imagen 2">
-            <a:extLst>
-              <a:ext uri="{FF2B5EF4-FFF2-40B4-BE49-F238E27FC236}">
-                <a16:creationId xmlns:a16="http://schemas.microsoft.com/office/drawing/2014/main" id="{5CB522AC-D5E5-43D4-A362-FF16AA98B89A}"/>
+          <p:cNvPr id="5" name="Imagen 4">
+            <a:extLst>
+              <a:ext uri="{FF2B5EF4-FFF2-40B4-BE49-F238E27FC236}">
+                <a16:creationId xmlns:a16="http://schemas.microsoft.com/office/drawing/2014/main" id="{EA1FA3DE-95A7-4DAF-A254-71FF45B93914}"/>
               </a:ext>
             </a:extLst>
           </p:cNvPr>
@@ -4680,45 +5377,15 @@
           <p:nvPr/>
         </p:nvPicPr>
         <p:blipFill>
-          <a:blip r:embed="rId3"/>
+          <a:blip r:embed="rId2"/>
           <a:stretch>
             <a:fillRect/>
           </a:stretch>
         </p:blipFill>
         <p:spPr>
           <a:xfrm>
-            <a:off x="291449" y="1553592"/>
-            <a:ext cx="5804551" cy="5012184"/>
-          </a:xfrm>
-          <a:prstGeom prst="rect">
-            <a:avLst/>
-          </a:prstGeom>
-        </p:spPr>
-      </p:pic>
-      <p:pic>
-        <p:nvPicPr>
-          <p:cNvPr id="5" name="Imagen 4">
-            <a:extLst>
-              <a:ext uri="{FF2B5EF4-FFF2-40B4-BE49-F238E27FC236}">
-                <a16:creationId xmlns:a16="http://schemas.microsoft.com/office/drawing/2014/main" id="{6ED88CB0-A0BE-4FD0-8834-239815C527B4}"/>
-              </a:ext>
-            </a:extLst>
-          </p:cNvPr>
-          <p:cNvPicPr>
-            <a:picLocks noChangeAspect="1"/>
-          </p:cNvPicPr>
-          <p:nvPr/>
-        </p:nvPicPr>
-        <p:blipFill>
-          <a:blip r:embed="rId4"/>
-          <a:stretch>
-            <a:fillRect/>
-          </a:stretch>
-        </p:blipFill>
-        <p:spPr>
-          <a:xfrm>
-            <a:off x="6096000" y="1553593"/>
-            <a:ext cx="5827475" cy="5012184"/>
+            <a:off x="8414225" y="2700339"/>
+            <a:ext cx="3777775" cy="2128746"/>
           </a:xfrm>
           <a:prstGeom prst="rect">
             <a:avLst/>
@@ -4728,7 +5395,7 @@
     </p:spTree>
     <p:extLst>
       <p:ext uri="{BB962C8B-B14F-4D97-AF65-F5344CB8AC3E}">
-        <p14:creationId xmlns:p14="http://schemas.microsoft.com/office/powerpoint/2010/main" val="4028449169"/>
+        <p14:creationId xmlns:p14="http://schemas.microsoft.com/office/powerpoint/2010/main" val="2554548883"/>
       </p:ext>
     </p:extLst>
   </p:cSld>
@@ -4760,7 +5427,7 @@
           <p:cNvPr id="2" name="Título 1">
             <a:extLst>
               <a:ext uri="{FF2B5EF4-FFF2-40B4-BE49-F238E27FC236}">
-                <a16:creationId xmlns:a16="http://schemas.microsoft.com/office/drawing/2014/main" id="{958CFA3E-DEBC-4525-A616-BFCFC011C12B}"/>
+                <a16:creationId xmlns:a16="http://schemas.microsoft.com/office/drawing/2014/main" id="{6AA2E772-1621-4357-BFF1-B7D9856847BA}"/>
               </a:ext>
             </a:extLst>
           </p:cNvPr>
@@ -4773,87 +5440,129 @@
         </p:nvSpPr>
         <p:spPr>
           <a:xfrm>
-            <a:off x="287045" y="912244"/>
-            <a:ext cx="7572652" cy="641348"/>
+            <a:off x="838200" y="681037"/>
+            <a:ext cx="10515600" cy="1009651"/>
           </a:xfrm>
         </p:spPr>
         <p:txBody>
+          <a:bodyPr/>
+          <a:lstStyle/>
+          <a:p>
+            <a:r>
+              <a:rPr lang="es-CL" dirty="0"/>
+              <a:t>Descripción de la solución (Infraestructura)</a:t>
+            </a:r>
+          </a:p>
+        </p:txBody>
+      </p:sp>
+      <p:sp>
+        <p:nvSpPr>
+          <p:cNvPr id="3" name="Marcador de contenido 2">
+            <a:extLst>
+              <a:ext uri="{FF2B5EF4-FFF2-40B4-BE49-F238E27FC236}">
+                <a16:creationId xmlns:a16="http://schemas.microsoft.com/office/drawing/2014/main" id="{9C577CFF-3BBC-4210-8291-7B4C67879FA0}"/>
+              </a:ext>
+            </a:extLst>
+          </p:cNvPr>
+          <p:cNvSpPr>
+            <a:spLocks noGrp="1"/>
+          </p:cNvSpPr>
+          <p:nvPr>
+            <p:ph idx="1"/>
+          </p:nvPr>
+        </p:nvSpPr>
+        <p:spPr>
+          <a:xfrm>
+            <a:off x="838200" y="1825625"/>
+            <a:ext cx="6513990" cy="4351338"/>
+          </a:xfrm>
+        </p:spPr>
+        <p:txBody>
           <a:bodyPr>
-            <a:normAutofit fontScale="90000"/>
+            <a:normAutofit/>
           </a:bodyPr>
           <a:lstStyle/>
           <a:p>
+            <a:pPr marL="457200" lvl="1" indent="0" algn="just">
+              <a:buNone/>
+            </a:pPr>
             <a:r>
               <a:rPr lang="es-CL" dirty="0"/>
-              <a:t>Página de problemas</a:t>
-            </a:r>
+              <a:t>Área de Etiquetado:</a:t>
+            </a:r>
+          </a:p>
+          <a:p>
+            <a:pPr marL="457200" lvl="1" indent="0" algn="just">
+              <a:buNone/>
+            </a:pPr>
+            <a:endParaRPr lang="es-CL" dirty="0"/>
+          </a:p>
+          <a:p>
+            <a:pPr marL="457200" lvl="1" indent="0" algn="just">
+              <a:buNone/>
+            </a:pPr>
+            <a:r>
+              <a:rPr lang="es-CL" dirty="0"/>
+              <a:t>Para realizar la adquisición de datos se realiza la instalación de sensores fotoeléctricos con sus respectivos reflectores ubicados en la entrada y salida de la línea de etiquetado de vinos con la finalidad de registrar el paso de las botellas etiquetadas.</a:t>
+            </a:r>
+          </a:p>
+          <a:p>
+            <a:pPr marL="457200" lvl="1" indent="0" algn="just">
+              <a:buNone/>
+            </a:pPr>
+            <a:endParaRPr lang="es-CL" dirty="0"/>
           </a:p>
         </p:txBody>
       </p:sp>
       <p:pic>
         <p:nvPicPr>
-          <p:cNvPr id="6" name="Imagen 5">
-            <a:extLst>
-              <a:ext uri="{FF2B5EF4-FFF2-40B4-BE49-F238E27FC236}">
-                <a16:creationId xmlns:a16="http://schemas.microsoft.com/office/drawing/2014/main" id="{1A1E56B8-BCF9-4E72-B0E2-268E1913DDE4}"/>
+          <p:cNvPr id="2052" name="Picture 4" descr="Resultado de imagen para contador de botellas sensores fotoelectricos">
+            <a:extLst>
+              <a:ext uri="{FF2B5EF4-FFF2-40B4-BE49-F238E27FC236}">
+                <a16:creationId xmlns:a16="http://schemas.microsoft.com/office/drawing/2014/main" id="{7AFB0690-5FE2-4544-B489-085B9162914C}"/>
               </a:ext>
             </a:extLst>
           </p:cNvPr>
           <p:cNvPicPr>
-            <a:picLocks noChangeAspect="1"/>
+            <a:picLocks noChangeAspect="1" noChangeArrowheads="1"/>
           </p:cNvPicPr>
           <p:nvPr/>
         </p:nvPicPr>
-        <p:blipFill>
-          <a:blip r:embed="rId3"/>
-          <a:stretch>
-            <a:fillRect/>
-          </a:stretch>
+        <p:blipFill rotWithShape="1">
+          <a:blip r:embed="rId2">
+            <a:extLst>
+              <a:ext uri="{28A0092B-C50C-407E-A947-70E740481C1C}">
+                <a14:useLocalDpi xmlns:a14="http://schemas.microsoft.com/office/drawing/2010/main" val="0"/>
+              </a:ext>
+            </a:extLst>
+          </a:blip>
+          <a:srcRect l="27148" r="21070" b="37929"/>
+          <a:stretch/>
         </p:blipFill>
-        <p:spPr>
+        <p:spPr bwMode="auto">
           <a:xfrm>
-            <a:off x="287044" y="1473694"/>
-            <a:ext cx="5808955" cy="5006766"/>
+            <a:off x="7760563" y="1949912"/>
+            <a:ext cx="4137945" cy="3305668"/>
           </a:xfrm>
           <a:prstGeom prst="rect">
             <a:avLst/>
           </a:prstGeom>
-        </p:spPr>
-      </p:pic>
-      <p:pic>
-        <p:nvPicPr>
-          <p:cNvPr id="7" name="Imagen 6">
-            <a:extLst>
-              <a:ext uri="{FF2B5EF4-FFF2-40B4-BE49-F238E27FC236}">
-                <a16:creationId xmlns:a16="http://schemas.microsoft.com/office/drawing/2014/main" id="{D1DA5C09-62FB-47DD-8BFA-A8C1A5739160}"/>
-              </a:ext>
-            </a:extLst>
-          </p:cNvPr>
-          <p:cNvPicPr>
-            <a:picLocks noChangeAspect="1"/>
-          </p:cNvPicPr>
-          <p:nvPr/>
-        </p:nvPicPr>
-        <p:blipFill>
-          <a:blip r:embed="rId4"/>
-          <a:stretch>
-            <a:fillRect/>
-          </a:stretch>
-        </p:blipFill>
-        <p:spPr>
-          <a:xfrm>
-            <a:off x="6095998" y="1444905"/>
-            <a:ext cx="5886765" cy="5106815"/>
-          </a:xfrm>
-          <a:prstGeom prst="rect">
-            <a:avLst/>
-          </a:prstGeom>
+          <a:noFill/>
+          <a:extLst>
+            <a:ext uri="{909E8E84-426E-40DD-AFC4-6F175D3DCCD1}">
+              <a14:hiddenFill xmlns:a14="http://schemas.microsoft.com/office/drawing/2010/main">
+                <a:solidFill>
+                  <a:srgbClr val="FFFFFF"/>
+                </a:solidFill>
+              </a14:hiddenFill>
+            </a:ext>
+          </a:extLst>
         </p:spPr>
       </p:pic>
     </p:spTree>
     <p:extLst>
       <p:ext uri="{BB962C8B-B14F-4D97-AF65-F5344CB8AC3E}">
-        <p14:creationId xmlns:p14="http://schemas.microsoft.com/office/powerpoint/2010/main" val="2935961625"/>
+        <p14:creationId xmlns:p14="http://schemas.microsoft.com/office/powerpoint/2010/main" val="1414621323"/>
       </p:ext>
     </p:extLst>
   </p:cSld>
@@ -4885,6 +5594,362 @@
           <p:cNvPr id="2" name="Título 1">
             <a:extLst>
               <a:ext uri="{FF2B5EF4-FFF2-40B4-BE49-F238E27FC236}">
+                <a16:creationId xmlns:a16="http://schemas.microsoft.com/office/drawing/2014/main" id="{6AA2E772-1621-4357-BFF1-B7D9856847BA}"/>
+              </a:ext>
+            </a:extLst>
+          </p:cNvPr>
+          <p:cNvSpPr>
+            <a:spLocks noGrp="1"/>
+          </p:cNvSpPr>
+          <p:nvPr>
+            <p:ph type="title"/>
+          </p:nvPr>
+        </p:nvSpPr>
+        <p:spPr>
+          <a:xfrm>
+            <a:off x="838200" y="681037"/>
+            <a:ext cx="10515600" cy="1009651"/>
+          </a:xfrm>
+        </p:spPr>
+        <p:txBody>
+          <a:bodyPr/>
+          <a:lstStyle/>
+          <a:p>
+            <a:r>
+              <a:rPr lang="es-CL" dirty="0"/>
+              <a:t>Descripción de la solución (Infraestructura)</a:t>
+            </a:r>
+          </a:p>
+        </p:txBody>
+      </p:sp>
+      <p:sp>
+        <p:nvSpPr>
+          <p:cNvPr id="3" name="Marcador de contenido 2">
+            <a:extLst>
+              <a:ext uri="{FF2B5EF4-FFF2-40B4-BE49-F238E27FC236}">
+                <a16:creationId xmlns:a16="http://schemas.microsoft.com/office/drawing/2014/main" id="{9C577CFF-3BBC-4210-8291-7B4C67879FA0}"/>
+              </a:ext>
+            </a:extLst>
+          </p:cNvPr>
+          <p:cNvSpPr>
+            <a:spLocks noGrp="1"/>
+          </p:cNvSpPr>
+          <p:nvPr>
+            <p:ph idx="1"/>
+          </p:nvPr>
+        </p:nvSpPr>
+        <p:spPr>
+          <a:xfrm>
+            <a:off x="838200" y="1825625"/>
+            <a:ext cx="6534281" cy="4351338"/>
+          </a:xfrm>
+        </p:spPr>
+        <p:txBody>
+          <a:bodyPr>
+            <a:normAutofit/>
+          </a:bodyPr>
+          <a:lstStyle/>
+          <a:p>
+            <a:pPr marL="457200" lvl="1" indent="0" algn="just">
+              <a:buNone/>
+            </a:pPr>
+            <a:r>
+              <a:rPr lang="es-CL" dirty="0"/>
+              <a:t>Área de Embalaje:</a:t>
+            </a:r>
+          </a:p>
+          <a:p>
+            <a:pPr marL="457200" lvl="1" indent="0" algn="just">
+              <a:buNone/>
+            </a:pPr>
+            <a:endParaRPr lang="es-CL" dirty="0"/>
+          </a:p>
+          <a:p>
+            <a:pPr marL="457200" lvl="1" indent="0" algn="just">
+              <a:buNone/>
+            </a:pPr>
+            <a:r>
+              <a:rPr lang="es-CL" dirty="0"/>
+              <a:t>Se instalará un sensor inductivo en área de empaque de botellas de vino para conteo de cajas finalizadas.</a:t>
+            </a:r>
+          </a:p>
+          <a:p>
+            <a:pPr marL="457200" lvl="1" indent="0" algn="just">
+              <a:buNone/>
+            </a:pPr>
+            <a:r>
+              <a:rPr lang="es-CL" dirty="0"/>
+              <a:t>Adicionalmente se instalará una pantalla LCDI2C que mostrará el conteo de botellas y cajas finalizadas.</a:t>
+            </a:r>
+          </a:p>
+          <a:p>
+            <a:pPr marL="457200" lvl="1" indent="0" algn="just">
+              <a:buNone/>
+            </a:pPr>
+            <a:endParaRPr lang="es-CL" dirty="0"/>
+          </a:p>
+        </p:txBody>
+      </p:sp>
+      <p:pic>
+        <p:nvPicPr>
+          <p:cNvPr id="3076" name="Picture 4" descr="Resultado de imagen para pantalla lcd arduino">
+            <a:extLst>
+              <a:ext uri="{FF2B5EF4-FFF2-40B4-BE49-F238E27FC236}">
+                <a16:creationId xmlns:a16="http://schemas.microsoft.com/office/drawing/2014/main" id="{C3E0464E-5939-4CDA-AC1B-CA7B73CC6353}"/>
+              </a:ext>
+            </a:extLst>
+          </p:cNvPr>
+          <p:cNvPicPr>
+            <a:picLocks noChangeAspect="1" noChangeArrowheads="1"/>
+          </p:cNvPicPr>
+          <p:nvPr/>
+        </p:nvPicPr>
+        <p:blipFill rotWithShape="1">
+          <a:blip r:embed="rId2">
+            <a:extLst>
+              <a:ext uri="{28A0092B-C50C-407E-A947-70E740481C1C}">
+                <a14:useLocalDpi xmlns:a14="http://schemas.microsoft.com/office/drawing/2010/main" val="0"/>
+              </a:ext>
+            </a:extLst>
+          </a:blip>
+          <a:srcRect l="6270" t="19826" r="2078" b="18194"/>
+          <a:stretch/>
+        </p:blipFill>
+        <p:spPr bwMode="auto">
+          <a:xfrm>
+            <a:off x="8175866" y="3138002"/>
+            <a:ext cx="3767559" cy="2547891"/>
+          </a:xfrm>
+          <a:prstGeom prst="rect">
+            <a:avLst/>
+          </a:prstGeom>
+          <a:noFill/>
+          <a:extLst>
+            <a:ext uri="{909E8E84-426E-40DD-AFC4-6F175D3DCCD1}">
+              <a14:hiddenFill xmlns:a14="http://schemas.microsoft.com/office/drawing/2010/main">
+                <a:solidFill>
+                  <a:srgbClr val="FFFFFF"/>
+                </a:solidFill>
+              </a14:hiddenFill>
+            </a:ext>
+          </a:extLst>
+        </p:spPr>
+      </p:pic>
+      <p:pic>
+        <p:nvPicPr>
+          <p:cNvPr id="3074" name="Picture 2" descr="Resultado de imagen para sensor inductivo">
+            <a:extLst>
+              <a:ext uri="{FF2B5EF4-FFF2-40B4-BE49-F238E27FC236}">
+                <a16:creationId xmlns:a16="http://schemas.microsoft.com/office/drawing/2014/main" id="{708DD5F8-C724-443A-9E55-FA173A12580D}"/>
+              </a:ext>
+            </a:extLst>
+          </p:cNvPr>
+          <p:cNvPicPr>
+            <a:picLocks noChangeAspect="1" noChangeArrowheads="1"/>
+          </p:cNvPicPr>
+          <p:nvPr/>
+        </p:nvPicPr>
+        <p:blipFill>
+          <a:blip r:embed="rId3">
+            <a:extLst>
+              <a:ext uri="{28A0092B-C50C-407E-A947-70E740481C1C}">
+                <a14:useLocalDpi xmlns:a14="http://schemas.microsoft.com/office/drawing/2010/main" val="0"/>
+              </a:ext>
+            </a:extLst>
+          </a:blip>
+          <a:srcRect/>
+          <a:stretch>
+            <a:fillRect/>
+          </a:stretch>
+        </p:blipFill>
+        <p:spPr bwMode="auto">
+          <a:xfrm>
+            <a:off x="8403142" y="1625842"/>
+            <a:ext cx="2095817" cy="1803158"/>
+          </a:xfrm>
+          <a:prstGeom prst="rect">
+            <a:avLst/>
+          </a:prstGeom>
+          <a:noFill/>
+          <a:extLst>
+            <a:ext uri="{909E8E84-426E-40DD-AFC4-6F175D3DCCD1}">
+              <a14:hiddenFill xmlns:a14="http://schemas.microsoft.com/office/drawing/2010/main">
+                <a:solidFill>
+                  <a:srgbClr val="FFFFFF"/>
+                </a:solidFill>
+              </a14:hiddenFill>
+            </a:ext>
+          </a:extLst>
+        </p:spPr>
+      </p:pic>
+    </p:spTree>
+    <p:extLst>
+      <p:ext uri="{BB962C8B-B14F-4D97-AF65-F5344CB8AC3E}">
+        <p14:creationId xmlns:p14="http://schemas.microsoft.com/office/powerpoint/2010/main" val="2022938449"/>
+      </p:ext>
+    </p:extLst>
+  </p:cSld>
+  <p:clrMapOvr>
+    <a:masterClrMapping/>
+  </p:clrMapOvr>
+</p:sld>
+</file>
+
+<file path=ppt/slides/slide8.xml><?xml version="1.0" encoding="utf-8"?>
+<p:sld xmlns:a="http://schemas.openxmlformats.org/drawingml/2006/main" xmlns:r="http://schemas.openxmlformats.org/officeDocument/2006/relationships" xmlns:p="http://schemas.openxmlformats.org/presentationml/2006/main">
+  <p:cSld>
+    <p:spTree>
+      <p:nvGrpSpPr>
+        <p:cNvPr id="1" name=""/>
+        <p:cNvGrpSpPr/>
+        <p:nvPr/>
+      </p:nvGrpSpPr>
+      <p:grpSpPr>
+        <a:xfrm>
+          <a:off x="0" y="0"/>
+          <a:ext cx="0" cy="0"/>
+          <a:chOff x="0" y="0"/>
+          <a:chExt cx="0" cy="0"/>
+        </a:xfrm>
+      </p:grpSpPr>
+      <p:sp>
+        <p:nvSpPr>
+          <p:cNvPr id="2" name="Título 1">
+            <a:extLst>
+              <a:ext uri="{FF2B5EF4-FFF2-40B4-BE49-F238E27FC236}">
+                <a16:creationId xmlns:a16="http://schemas.microsoft.com/office/drawing/2014/main" id="{6AA2E772-1621-4357-BFF1-B7D9856847BA}"/>
+              </a:ext>
+            </a:extLst>
+          </p:cNvPr>
+          <p:cNvSpPr>
+            <a:spLocks noGrp="1"/>
+          </p:cNvSpPr>
+          <p:nvPr>
+            <p:ph type="title"/>
+          </p:nvPr>
+        </p:nvSpPr>
+        <p:spPr>
+          <a:xfrm>
+            <a:off x="838200" y="681037"/>
+            <a:ext cx="10515600" cy="1009651"/>
+          </a:xfrm>
+        </p:spPr>
+        <p:txBody>
+          <a:bodyPr/>
+          <a:lstStyle/>
+          <a:p>
+            <a:r>
+              <a:rPr lang="es-CL" dirty="0"/>
+              <a:t>Descripción de la solución (Software)</a:t>
+            </a:r>
+          </a:p>
+        </p:txBody>
+      </p:sp>
+      <p:sp>
+        <p:nvSpPr>
+          <p:cNvPr id="3" name="Marcador de contenido 2">
+            <a:extLst>
+              <a:ext uri="{FF2B5EF4-FFF2-40B4-BE49-F238E27FC236}">
+                <a16:creationId xmlns:a16="http://schemas.microsoft.com/office/drawing/2014/main" id="{9C577CFF-3BBC-4210-8291-7B4C67879FA0}"/>
+              </a:ext>
+            </a:extLst>
+          </p:cNvPr>
+          <p:cNvSpPr>
+            <a:spLocks noGrp="1"/>
+          </p:cNvSpPr>
+          <p:nvPr>
+            <p:ph idx="1"/>
+          </p:nvPr>
+        </p:nvSpPr>
+        <p:spPr/>
+        <p:txBody>
+          <a:bodyPr>
+            <a:normAutofit lnSpcReduction="10000"/>
+          </a:bodyPr>
+          <a:lstStyle/>
+          <a:p>
+            <a:pPr marL="457200" lvl="1" indent="0" algn="just">
+              <a:buNone/>
+            </a:pPr>
+            <a:r>
+              <a:rPr lang="es-CL" dirty="0"/>
+              <a:t>Para guardar los registros capturados por los sensores que se observan en el </a:t>
+            </a:r>
+            <a:r>
+              <a:rPr lang="es-CL" dirty="0">
+                <a:hlinkClick r:id="rId2" action="ppaction://hlinksldjump"/>
+              </a:rPr>
+              <a:t>Esquema Global</a:t>
+            </a:r>
+            <a:r>
+              <a:rPr lang="es-CL" dirty="0"/>
+              <a:t>, se realiza una Base de datos creada en SQL Server. Posteriormente se implementa una página web realizada en el Framework ASP.NET la cual ayuda a: visualizar los datos obtenidos por los sensores, dar prioridad a las ordenes a realizar en el día, identificar problemas que suceden en el proceso de producción y visualizar problemas según la orden.</a:t>
+            </a:r>
+          </a:p>
+          <a:p>
+            <a:pPr marL="457200" lvl="1" indent="0" algn="just">
+              <a:buNone/>
+            </a:pPr>
+            <a:r>
+              <a:rPr lang="es-CL" dirty="0"/>
+              <a:t>Por otra parte se tiene la base de datos del SAP para obtener los datos de los pedidos.</a:t>
+            </a:r>
+          </a:p>
+          <a:p>
+            <a:pPr marL="457200" lvl="1" indent="0" algn="just">
+              <a:buNone/>
+            </a:pPr>
+            <a:r>
+              <a:rPr lang="es-CL" dirty="0"/>
+              <a:t>Cabe destacar que tanto la página web como la base de datos en la que se registran los datos de los sensores y la base de datos del SAP se encuentra en un servidor local.</a:t>
+            </a:r>
+          </a:p>
+          <a:p>
+            <a:pPr marL="457200" lvl="1" indent="0" algn="just">
+              <a:buNone/>
+            </a:pPr>
+            <a:r>
+              <a:rPr lang="es-CL" dirty="0"/>
+              <a:t>En las siguientes diapositivas se muestra una propuesta de lo que sería la página web.</a:t>
+            </a:r>
+          </a:p>
+        </p:txBody>
+      </p:sp>
+    </p:spTree>
+    <p:extLst>
+      <p:ext uri="{BB962C8B-B14F-4D97-AF65-F5344CB8AC3E}">
+        <p14:creationId xmlns:p14="http://schemas.microsoft.com/office/powerpoint/2010/main" val="1328680999"/>
+      </p:ext>
+    </p:extLst>
+  </p:cSld>
+  <p:clrMapOvr>
+    <a:masterClrMapping/>
+  </p:clrMapOvr>
+</p:sld>
+</file>
+
+<file path=ppt/slides/slide9.xml><?xml version="1.0" encoding="utf-8"?>
+<p:sld xmlns:a="http://schemas.openxmlformats.org/drawingml/2006/main" xmlns:r="http://schemas.openxmlformats.org/officeDocument/2006/relationships" xmlns:p="http://schemas.openxmlformats.org/presentationml/2006/main">
+  <p:cSld>
+    <p:spTree>
+      <p:nvGrpSpPr>
+        <p:cNvPr id="1" name=""/>
+        <p:cNvGrpSpPr/>
+        <p:nvPr/>
+      </p:nvGrpSpPr>
+      <p:grpSpPr>
+        <a:xfrm>
+          <a:off x="0" y="0"/>
+          <a:ext cx="0" cy="0"/>
+          <a:chOff x="0" y="0"/>
+          <a:chExt cx="0" cy="0"/>
+        </a:xfrm>
+      </p:grpSpPr>
+      <p:sp>
+        <p:nvSpPr>
+          <p:cNvPr id="2" name="Título 1">
+            <a:extLst>
+              <a:ext uri="{FF2B5EF4-FFF2-40B4-BE49-F238E27FC236}">
                 <a16:creationId xmlns:a16="http://schemas.microsoft.com/office/drawing/2014/main" id="{958CFA3E-DEBC-4525-A616-BFCFC011C12B}"/>
               </a:ext>
             </a:extLst>
@@ -4910,17 +5975,42 @@
           <a:p>
             <a:r>
               <a:rPr lang="es-CL" dirty="0"/>
-              <a:t>Página de proceso de pedido actual</a:t>
-            </a:r>
+              <a:t>Página principal</a:t>
+            </a:r>
+          </a:p>
+        </p:txBody>
+      </p:sp>
+      <p:sp>
+        <p:nvSpPr>
+          <p:cNvPr id="6" name="Marcador de contenido 5">
+            <a:extLst>
+              <a:ext uri="{FF2B5EF4-FFF2-40B4-BE49-F238E27FC236}">
+                <a16:creationId xmlns:a16="http://schemas.microsoft.com/office/drawing/2014/main" id="{11FA2F1F-8427-4BAA-9F7A-EDFC5F1D9991}"/>
+              </a:ext>
+            </a:extLst>
+          </p:cNvPr>
+          <p:cNvSpPr>
+            <a:spLocks noGrp="1"/>
+          </p:cNvSpPr>
+          <p:nvPr>
+            <p:ph idx="1"/>
+          </p:nvPr>
+        </p:nvSpPr>
+        <p:spPr/>
+        <p:txBody>
+          <a:bodyPr/>
+          <a:lstStyle/>
+          <a:p>
+            <a:endParaRPr lang="es-CL" dirty="0"/>
           </a:p>
         </p:txBody>
       </p:sp>
       <p:pic>
         <p:nvPicPr>
-          <p:cNvPr id="8" name="Imagen 7">
-            <a:extLst>
-              <a:ext uri="{FF2B5EF4-FFF2-40B4-BE49-F238E27FC236}">
-                <a16:creationId xmlns:a16="http://schemas.microsoft.com/office/drawing/2014/main" id="{DAAAD250-1D17-4547-B844-1261FA724F49}"/>
+          <p:cNvPr id="7" name="Imagen 6">
+            <a:extLst>
+              <a:ext uri="{FF2B5EF4-FFF2-40B4-BE49-F238E27FC236}">
+                <a16:creationId xmlns:a16="http://schemas.microsoft.com/office/drawing/2014/main" id="{9AEA24E6-9C94-4101-9F72-EE01F8FCE8A3}"/>
               </a:ext>
             </a:extLst>
           </p:cNvPr>
@@ -4937,8 +6027,8 @@
         </p:blipFill>
         <p:spPr>
           <a:xfrm>
-            <a:off x="6096000" y="1431120"/>
-            <a:ext cx="5638800" cy="4876800"/>
+            <a:off x="228121" y="1589100"/>
+            <a:ext cx="5799770" cy="4987477"/>
           </a:xfrm>
           <a:prstGeom prst="rect">
             <a:avLst/>
@@ -4947,10 +6037,10 @@
       </p:pic>
       <p:pic>
         <p:nvPicPr>
-          <p:cNvPr id="3" name="Imagen 2">
-            <a:extLst>
-              <a:ext uri="{FF2B5EF4-FFF2-40B4-BE49-F238E27FC236}">
-                <a16:creationId xmlns:a16="http://schemas.microsoft.com/office/drawing/2014/main" id="{3248DC1E-8538-40D0-B9D3-92C0D5BCCE32}"/>
+          <p:cNvPr id="9" name="Imagen 8">
+            <a:extLst>
+              <a:ext uri="{FF2B5EF4-FFF2-40B4-BE49-F238E27FC236}">
+                <a16:creationId xmlns:a16="http://schemas.microsoft.com/office/drawing/2014/main" id="{C1F15BD8-E137-4C61-874C-4B08C61C8957}"/>
               </a:ext>
             </a:extLst>
           </p:cNvPr>
@@ -4967,8 +6057,8 @@
         </p:blipFill>
         <p:spPr>
           <a:xfrm>
-            <a:off x="457200" y="1431120"/>
-            <a:ext cx="5586906" cy="4801004"/>
+            <a:off x="6096000" y="1580222"/>
+            <a:ext cx="5829258" cy="5022985"/>
           </a:xfrm>
           <a:prstGeom prst="rect">
             <a:avLst/>
@@ -4978,7 +6068,7 @@
     </p:spTree>
     <p:extLst>
       <p:ext uri="{BB962C8B-B14F-4D97-AF65-F5344CB8AC3E}">
-        <p14:creationId xmlns:p14="http://schemas.microsoft.com/office/powerpoint/2010/main" val="2560640174"/>
+        <p14:creationId xmlns:p14="http://schemas.microsoft.com/office/powerpoint/2010/main" val="2596626397"/>
       </p:ext>
     </p:extLst>
   </p:cSld>

--- a/Propuesta_solucion_automatizacion.pptx
+++ b/Propuesta_solucion_automatizacion.pptx
@@ -4503,10 +4503,10 @@
       </p:sp>
       <p:pic>
         <p:nvPicPr>
-          <p:cNvPr id="4" name="Imagen 3">
-            <a:extLst>
-              <a:ext uri="{FF2B5EF4-FFF2-40B4-BE49-F238E27FC236}">
-                <a16:creationId xmlns:a16="http://schemas.microsoft.com/office/drawing/2014/main" id="{6B584A58-15CD-4728-8852-D8AA9A99462C}"/>
+          <p:cNvPr id="8" name="Imagen 7">
+            <a:extLst>
+              <a:ext uri="{FF2B5EF4-FFF2-40B4-BE49-F238E27FC236}">
+                <a16:creationId xmlns:a16="http://schemas.microsoft.com/office/drawing/2014/main" id="{DAAAD250-1D17-4547-B844-1261FA724F49}"/>
               </a:ext>
             </a:extLst>
           </p:cNvPr>
@@ -4523,8 +4523,8 @@
         </p:blipFill>
         <p:spPr>
           <a:xfrm>
-            <a:off x="392699" y="1465048"/>
-            <a:ext cx="5591175" cy="4808944"/>
+            <a:off x="6096000" y="1431120"/>
+            <a:ext cx="5638800" cy="4876800"/>
           </a:xfrm>
           <a:prstGeom prst="rect">
             <a:avLst/>
@@ -4533,10 +4533,10 @@
       </p:pic>
       <p:pic>
         <p:nvPicPr>
-          <p:cNvPr id="8" name="Imagen 7">
-            <a:extLst>
-              <a:ext uri="{FF2B5EF4-FFF2-40B4-BE49-F238E27FC236}">
-                <a16:creationId xmlns:a16="http://schemas.microsoft.com/office/drawing/2014/main" id="{DAAAD250-1D17-4547-B844-1261FA724F49}"/>
+          <p:cNvPr id="3" name="Imagen 2">
+            <a:extLst>
+              <a:ext uri="{FF2B5EF4-FFF2-40B4-BE49-F238E27FC236}">
+                <a16:creationId xmlns:a16="http://schemas.microsoft.com/office/drawing/2014/main" id="{2FDEEB73-B804-47B9-87E4-37CBE3DD82E2}"/>
               </a:ext>
             </a:extLst>
           </p:cNvPr>
@@ -4553,8 +4553,8 @@
         </p:blipFill>
         <p:spPr>
           <a:xfrm>
-            <a:off x="6096000" y="1431120"/>
-            <a:ext cx="5638800" cy="4876800"/>
+            <a:off x="391172" y="1431120"/>
+            <a:ext cx="5667111" cy="4876800"/>
           </a:xfrm>
           <a:prstGeom prst="rect">
             <a:avLst/>
